--- a/BV_Bash_Basic.pptx
+++ b/BV_Bash_Basic.pptx
@@ -6,7 +6,7 @@
     <p:sldMasterId id="2147483721" r:id="rId2"/>
   </p:sldMasterIdLst>
   <p:notesMasterIdLst>
-    <p:notesMasterId r:id="rId39"/>
+    <p:notesMasterId r:id="rId40"/>
   </p:notesMasterIdLst>
   <p:sldIdLst>
     <p:sldId id="257" r:id="rId3"/>
@@ -44,7 +44,8 @@
     <p:sldId id="288" r:id="rId35"/>
     <p:sldId id="289" r:id="rId36"/>
     <p:sldId id="290" r:id="rId37"/>
-    <p:sldId id="291" r:id="rId38"/>
+    <p:sldId id="293" r:id="rId38"/>
+    <p:sldId id="291" r:id="rId39"/>
   </p:sldIdLst>
   <p:sldSz cx="12192000" cy="6858000"/>
   <p:notesSz cx="6858000" cy="9144000"/>
@@ -233,7 +234,7 @@
           <a:p>
             <a:fld id="{98DAEC7F-C272-42D8-A261-3DCF875DE68D}" type="datetimeFigureOut">
               <a:rPr lang="en-US" smtClean="0"/>
-              <a:t>1/30/2020</a:t>
+              <a:t>4/8/2020</a:t>
             </a:fld>
             <a:endParaRPr lang="en-US"/>
           </a:p>
@@ -297,38 +298,37 @@
           <a:p>
             <a:pPr lvl="0"/>
             <a:r>
-              <a:rPr lang="en-US" smtClean="0"/>
+              <a:rPr lang="en-US"/>
               <a:t>Edit Master text styles</a:t>
             </a:r>
           </a:p>
           <a:p>
             <a:pPr lvl="1"/>
             <a:r>
-              <a:rPr lang="en-US" smtClean="0"/>
+              <a:rPr lang="en-US"/>
               <a:t>Second level</a:t>
             </a:r>
           </a:p>
           <a:p>
             <a:pPr lvl="2"/>
             <a:r>
-              <a:rPr lang="en-US" smtClean="0"/>
+              <a:rPr lang="en-US"/>
               <a:t>Third level</a:t>
             </a:r>
           </a:p>
           <a:p>
             <a:pPr lvl="3"/>
             <a:r>
-              <a:rPr lang="en-US" smtClean="0"/>
+              <a:rPr lang="en-US"/>
               <a:t>Fourth level</a:t>
             </a:r>
           </a:p>
           <a:p>
             <a:pPr lvl="4"/>
             <a:r>
-              <a:rPr lang="en-US" smtClean="0"/>
+              <a:rPr lang="en-US"/>
               <a:t>Fifth level</a:t>
             </a:r>
-            <a:endParaRPr lang="en-US"/>
           </a:p>
         </p:txBody>
       </p:sp>
@@ -5239,7 +5239,7 @@
               <a:buNone/>
             </a:pPr>
             <a:r>
-              <a:rPr lang="en-US" sz="1200" dirty="0" smtClean="0">
+              <a:rPr lang="en-US" sz="1200" dirty="0">
                 <a:hlinkClick r:id="rId3"/>
               </a:rPr>
               <a:t>https://github.com/zhzhh/Shell/blob/master/doc/Prentice.Hall-Unix.Shells.By.Example%2C4th.Edition.chm</a:t>
@@ -15798,15 +15798,7 @@
                   <a:schemeClr val="dk1"/>
                 </a:solidFill>
               </a:rPr>
-              <a:t> </a:t>
-            </a:r>
-            <a:r>
-              <a:rPr lang="en-US" dirty="0" smtClean="0">
-                <a:solidFill>
-                  <a:schemeClr val="dk1"/>
-                </a:solidFill>
-              </a:rPr>
-              <a:t>command:</a:t>
+              <a:t> command:</a:t>
             </a:r>
             <a:endParaRPr lang="en-US" dirty="0"/>
           </a:p>
@@ -15823,106 +15815,97 @@
               <a:buChar char="•"/>
             </a:pPr>
             <a:r>
-              <a:rPr lang="en-US" dirty="0" smtClean="0">
+              <a:rPr lang="en-US" dirty="0">
                 <a:solidFill>
                   <a:schemeClr val="dk1"/>
                 </a:solidFill>
               </a:rPr>
-              <a:t>Command</a:t>
+              <a:t>Command: “ </a:t>
+            </a:r>
+            <a:r>
+              <a:rPr lang="en-US" sz="1333" dirty="0">
+                <a:solidFill>
+                  <a:schemeClr val="accent5"/>
+                </a:solidFill>
+              </a:rPr>
+              <a:t>cat </a:t>
+            </a:r>
+            <a:r>
+              <a:rPr lang="en-US" sz="1333" dirty="0" err="1">
+                <a:solidFill>
+                  <a:schemeClr val="accent5"/>
+                </a:solidFill>
+              </a:rPr>
+              <a:t>New_Training</a:t>
+            </a:r>
+            <a:r>
+              <a:rPr lang="en-US" sz="1333" dirty="0">
+                <a:solidFill>
+                  <a:schemeClr val="accent5"/>
+                </a:solidFill>
+              </a:rPr>
+              <a:t>/</a:t>
+            </a:r>
+            <a:r>
+              <a:rPr lang="en-US" sz="1333" dirty="0" err="1">
+                <a:solidFill>
+                  <a:schemeClr val="accent5"/>
+                </a:solidFill>
+              </a:rPr>
+              <a:t>Onboarding_Training_Output</a:t>
+            </a:r>
+            <a:r>
+              <a:rPr lang="en-US" sz="1333" dirty="0">
+                <a:solidFill>
+                  <a:schemeClr val="accent5"/>
+                </a:solidFill>
+              </a:rPr>
+              <a:t>/</a:t>
+            </a:r>
+            <a:r>
+              <a:rPr lang="en-US" sz="1333" dirty="0" err="1">
+                <a:solidFill>
+                  <a:schemeClr val="accent5"/>
+                </a:solidFill>
+              </a:rPr>
+              <a:t>Huynh.Nguyen</a:t>
+            </a:r>
+            <a:r>
+              <a:rPr lang="en-US" sz="1333" dirty="0">
+                <a:solidFill>
+                  <a:schemeClr val="accent5"/>
+                </a:solidFill>
+              </a:rPr>
+              <a:t>/test/3.ERR123004.txt | </a:t>
+            </a:r>
+            <a:r>
+              <a:rPr lang="en-US" sz="1333" dirty="0" err="1">
+                <a:solidFill>
+                  <a:schemeClr val="accent5"/>
+                </a:solidFill>
+              </a:rPr>
+              <a:t>grep</a:t>
+            </a:r>
+            <a:r>
+              <a:rPr lang="en-US" sz="1333" dirty="0">
+                <a:solidFill>
+                  <a:schemeClr val="accent5"/>
+                </a:solidFill>
+              </a:rPr>
+              <a:t> 'INF'</a:t>
             </a:r>
             <a:r>
               <a:rPr lang="en-US" dirty="0">
                 <a:solidFill>
-                  <a:schemeClr val="dk1"/>
-                </a:solidFill>
-              </a:rPr>
-              <a:t>: “ </a:t>
-            </a:r>
-            <a:r>
-              <a:rPr lang="en-US" sz="1333" dirty="0">
-                <a:solidFill>
                   <a:schemeClr val="accent5"/>
                 </a:solidFill>
               </a:rPr>
-              <a:t>cat </a:t>
-            </a:r>
-            <a:r>
-              <a:rPr lang="en-US" sz="1333" dirty="0" err="1">
-                <a:solidFill>
-                  <a:schemeClr val="accent5"/>
-                </a:solidFill>
-              </a:rPr>
-              <a:t>New_Training</a:t>
-            </a:r>
-            <a:r>
-              <a:rPr lang="en-US" sz="1333" dirty="0">
-                <a:solidFill>
-                  <a:schemeClr val="accent5"/>
-                </a:solidFill>
-              </a:rPr>
-              <a:t>/</a:t>
-            </a:r>
-            <a:r>
-              <a:rPr lang="en-US" sz="1333" dirty="0" err="1">
-                <a:solidFill>
-                  <a:schemeClr val="accent5"/>
-                </a:solidFill>
-              </a:rPr>
-              <a:t>Onboarding_Training_Output</a:t>
-            </a:r>
-            <a:r>
-              <a:rPr lang="en-US" sz="1333" dirty="0">
-                <a:solidFill>
-                  <a:schemeClr val="accent5"/>
-                </a:solidFill>
-              </a:rPr>
-              <a:t>/</a:t>
-            </a:r>
-            <a:r>
-              <a:rPr lang="en-US" sz="1333" dirty="0" err="1">
-                <a:solidFill>
-                  <a:schemeClr val="accent5"/>
-                </a:solidFill>
-              </a:rPr>
-              <a:t>Huynh.Nguyen</a:t>
-            </a:r>
-            <a:r>
-              <a:rPr lang="en-US" sz="1333" dirty="0">
-                <a:solidFill>
-                  <a:schemeClr val="accent5"/>
-                </a:solidFill>
-              </a:rPr>
-              <a:t>/test/3.ERR123004.txt | </a:t>
-            </a:r>
-            <a:r>
-              <a:rPr lang="en-US" sz="1333" dirty="0" err="1">
-                <a:solidFill>
-                  <a:schemeClr val="accent5"/>
-                </a:solidFill>
-              </a:rPr>
-              <a:t>grep</a:t>
-            </a:r>
-            <a:r>
-              <a:rPr lang="en-US" sz="1333" dirty="0">
-                <a:solidFill>
-                  <a:schemeClr val="accent5"/>
-                </a:solidFill>
-              </a:rPr>
-              <a:t> 'INF'</a:t>
-            </a:r>
-            <a:r>
-              <a:rPr lang="en-US" dirty="0">
-                <a:solidFill>
-                  <a:schemeClr val="accent5"/>
-                </a:solidFill>
-              </a:rPr>
               <a:t> </a:t>
             </a:r>
             <a:r>
-              <a:rPr lang="en-US" dirty="0" smtClean="0"/>
+              <a:rPr lang="en-US" dirty="0"/>
               <a:t>”</a:t>
             </a:r>
-            <a:endParaRPr lang="en-US" dirty="0"/>
           </a:p>
           <a:p>
             <a:pPr marL="1028700" lvl="1" indent="-342900">
@@ -15937,20 +15920,12 @@
               <a:buChar char="•"/>
             </a:pPr>
             <a:r>
-              <a:rPr lang="en-US" dirty="0" smtClean="0">
+              <a:rPr lang="en-US" dirty="0">
                 <a:solidFill>
                   <a:schemeClr val="dk1"/>
                 </a:solidFill>
               </a:rPr>
-              <a:t>Command</a:t>
-            </a:r>
-            <a:r>
-              <a:rPr lang="en-US" dirty="0">
-                <a:solidFill>
-                  <a:schemeClr val="dk1"/>
-                </a:solidFill>
-              </a:rPr>
-              <a:t>: “ </a:t>
+              <a:t>Command: “ </a:t>
             </a:r>
             <a:r>
               <a:rPr lang="en-US" sz="1333" dirty="0">
@@ -16128,7 +16103,7 @@
               <a:buNone/>
             </a:pPr>
             <a:r>
-              <a:rPr lang="en-US" sz="1800" dirty="0" smtClean="0">
+              <a:rPr lang="en-US" sz="1800" dirty="0">
                 <a:solidFill>
                   <a:srgbClr val="FF0000"/>
                 </a:solidFill>
@@ -16137,19 +16112,7 @@
                 <a:cs typeface="Arial"/>
                 <a:sym typeface="Arial"/>
               </a:rPr>
-              <a:t>What </a:t>
-            </a:r>
-            <a:r>
-              <a:rPr lang="en-US" sz="1800" dirty="0">
-                <a:solidFill>
-                  <a:srgbClr val="FF0000"/>
-                </a:solidFill>
-                <a:latin typeface="Arial"/>
-                <a:ea typeface="Arial"/>
-                <a:cs typeface="Arial"/>
-                <a:sym typeface="Arial"/>
-              </a:rPr>
-              <a:t>is the difference of these outputs?</a:t>
+              <a:t>What is the difference of these outputs?</a:t>
             </a:r>
             <a:endParaRPr sz="1800" dirty="0">
               <a:solidFill>
@@ -16940,11 +16903,7 @@
             </a:r>
             <a:r>
               <a:rPr lang="en-US" dirty="0"/>
-              <a:t>print only a count of selected lines per </a:t>
-            </a:r>
-            <a:r>
-              <a:rPr lang="en-US" dirty="0" smtClean="0"/>
-              <a:t>FILE</a:t>
+              <a:t>print only a count of selected lines per FILE</a:t>
             </a:r>
             <a:endParaRPr dirty="0">
               <a:solidFill>
@@ -17098,18 +17057,10 @@
                   <a:schemeClr val="dk1"/>
                 </a:solidFill>
               </a:rPr>
-              <a:t>Create script command to </a:t>
-            </a:r>
-            <a:r>
-              <a:rPr lang="en-US" dirty="0" smtClean="0">
-                <a:solidFill>
-                  <a:schemeClr val="dk1"/>
-                </a:solidFill>
-              </a:rPr>
-              <a:t>collect all “UUID” in file “</a:t>
-            </a:r>
-            <a:r>
-              <a:rPr lang="en-US" dirty="0" smtClean="0"/>
+              <a:t>Create script command to collect all “UUID” in file “</a:t>
+            </a:r>
+            <a:r>
+              <a:rPr lang="en-US" dirty="0"/>
               <a:t>App_ADC_U2AEVA1_BGA516.arxml”</a:t>
             </a:r>
           </a:p>
@@ -17119,7 +17070,7 @@
               <a:buChar char="❑"/>
             </a:pPr>
             <a:r>
-              <a:rPr lang="en-US" dirty="0" smtClean="0">
+              <a:rPr lang="en-US" dirty="0">
                 <a:solidFill>
                   <a:schemeClr val="dk1"/>
                 </a:solidFill>
@@ -17130,31 +17081,25 @@
           <a:p>
             <a:pPr marL="1581135" lvl="2" indent="-285750"/>
             <a:r>
-              <a:rPr lang="en-US" dirty="0" err="1" smtClean="0"/>
+              <a:rPr lang="en-US" dirty="0" err="1"/>
               <a:t>Git</a:t>
             </a:r>
             <a:r>
-              <a:rPr lang="en-US" dirty="0" smtClean="0"/>
+              <a:rPr lang="en-US" dirty="0"/>
               <a:t>: </a:t>
             </a:r>
             <a:r>
               <a:rPr lang="en-US" dirty="0">
                 <a:hlinkClick r:id="rId3"/>
               </a:rPr>
-              <a:t>http://</a:t>
-            </a:r>
-            <a:r>
-              <a:rPr lang="en-US" dirty="0" smtClean="0">
-                <a:hlinkClick r:id="rId3"/>
-              </a:rPr>
-              <a:t>gitlab.banvien.com/training/c_cpp/tree/test_hieunguyen</a:t>
-            </a:r>
-            <a:endParaRPr lang="en-US" dirty="0" smtClean="0"/>
+              <a:t>http://gitlab.banvien.com/training/c_cpp/tree/test_hieunguyen</a:t>
+            </a:r>
+            <a:endParaRPr lang="en-US" dirty="0"/>
           </a:p>
           <a:p>
             <a:pPr marL="1581135" lvl="2" indent="-285750"/>
             <a:r>
-              <a:rPr lang="en-US" dirty="0" smtClean="0">
+              <a:rPr lang="en-US" dirty="0">
                 <a:solidFill>
                   <a:schemeClr val="dk1"/>
                 </a:solidFill>
@@ -17162,35 +17107,35 @@
               <a:t>Path: </a:t>
             </a:r>
             <a:r>
-              <a:rPr lang="en-US" dirty="0" err="1" smtClean="0"/>
+              <a:rPr lang="en-US" dirty="0" err="1"/>
               <a:t>c_cpp</a:t>
             </a:r>
             <a:r>
-              <a:rPr lang="en-US" dirty="0" smtClean="0"/>
+              <a:rPr lang="en-US" dirty="0"/>
               <a:t>/99_exercise/00_BASH/</a:t>
             </a:r>
             <a:r>
-              <a:rPr lang="en-US" dirty="0" err="1" smtClean="0"/>
+              <a:rPr lang="en-US" dirty="0" err="1"/>
               <a:t>New_Training</a:t>
             </a:r>
             <a:r>
-              <a:rPr lang="en-US" dirty="0" smtClean="0"/>
+              <a:rPr lang="en-US" dirty="0"/>
               <a:t>/TCODE/</a:t>
             </a:r>
             <a:r>
-              <a:rPr lang="en-US" dirty="0" err="1" smtClean="0"/>
+              <a:rPr lang="en-US" dirty="0" err="1"/>
               <a:t>SampleApp</a:t>
             </a:r>
             <a:r>
-              <a:rPr lang="en-US" dirty="0" smtClean="0"/>
+              <a:rPr lang="en-US" dirty="0"/>
               <a:t>/</a:t>
             </a:r>
             <a:r>
-              <a:rPr lang="en-US" dirty="0" err="1" smtClean="0"/>
+              <a:rPr lang="en-US" dirty="0" err="1"/>
               <a:t>cdf</a:t>
             </a:r>
             <a:r>
-              <a:rPr lang="en-US" dirty="0" smtClean="0"/>
+              <a:rPr lang="en-US" dirty="0"/>
               <a:t>/App_ADC_U2AEVA1_BGA516.arxml</a:t>
             </a:r>
           </a:p>
@@ -17200,7 +17145,7 @@
               <a:buChar char="❑"/>
             </a:pPr>
             <a:r>
-              <a:rPr lang="en-US" dirty="0" smtClean="0">
+              <a:rPr lang="en-US" dirty="0">
                 <a:solidFill>
                   <a:schemeClr val="dk1"/>
                 </a:solidFill>
@@ -17265,58 +17210,57 @@
           <a:lstStyle/>
           <a:p>
             <a:r>
-              <a:rPr lang="en-US" dirty="0" smtClean="0"/>
+              <a:rPr lang="en-US" dirty="0"/>
               <a:t>742debb7-005d-4ec8-98be-b2f7448fdbdc</a:t>
             </a:r>
           </a:p>
           <a:p>
             <a:r>
-              <a:rPr lang="en-US" dirty="0" smtClean="0"/>
+              <a:rPr lang="en-US" dirty="0"/>
               <a:t>583fa164-0186-4061-b0c1-885ce439108d</a:t>
             </a:r>
           </a:p>
           <a:p>
             <a:r>
-              <a:rPr lang="en-US" dirty="0" smtClean="0"/>
+              <a:rPr lang="en-US" dirty="0"/>
               <a:t>26b4f04b-307c-4040-8909-4ca0a63502bb</a:t>
             </a:r>
           </a:p>
           <a:p>
             <a:r>
-              <a:rPr lang="en-US" dirty="0" smtClean="0"/>
+              <a:rPr lang="en-US" dirty="0"/>
               <a:t>03e99cc8-591d-40fa-9912-2f29123ecabd</a:t>
             </a:r>
           </a:p>
           <a:p>
             <a:r>
-              <a:rPr lang="en-US" dirty="0" smtClean="0"/>
+              <a:rPr lang="en-US" dirty="0"/>
               <a:t>b2eb8f87-44d0-4709-ba7a-bef5f669eafe</a:t>
             </a:r>
           </a:p>
           <a:p>
             <a:r>
-              <a:rPr lang="en-US" dirty="0" smtClean="0"/>
+              <a:rPr lang="en-US" dirty="0"/>
               <a:t>d2565947-b82c-4c71-910c-2e8522506383</a:t>
             </a:r>
           </a:p>
           <a:p>
             <a:r>
-              <a:rPr lang="en-US" dirty="0" smtClean="0"/>
+              <a:rPr lang="en-US" dirty="0"/>
               <a:t>e6101ffd-f93f-4055-a86b-4387b8b813d6</a:t>
             </a:r>
           </a:p>
           <a:p>
             <a:r>
-              <a:rPr lang="en-US" dirty="0" smtClean="0"/>
+              <a:rPr lang="en-US" dirty="0"/>
               <a:t>cbc0eb3d-877d-4f81-8fcd-d679149ea44f</a:t>
             </a:r>
           </a:p>
           <a:p>
             <a:r>
-              <a:rPr lang="en-US" dirty="0" smtClean="0"/>
+              <a:rPr lang="en-US" dirty="0"/>
               <a:t>d53f165e-54f2-47de-9845-c78891e5b991</a:t>
             </a:r>
-            <a:endParaRPr lang="en-US" dirty="0"/>
           </a:p>
         </p:txBody>
       </p:sp>
@@ -17708,15 +17652,7 @@
                   <a:schemeClr val="dk1"/>
                 </a:solidFill>
               </a:rPr>
-              <a:t>d: delete </a:t>
-            </a:r>
-            <a:r>
-              <a:rPr lang="en-US" sz="1400" dirty="0" smtClean="0">
-                <a:solidFill>
-                  <a:schemeClr val="dk1"/>
-                </a:solidFill>
-              </a:rPr>
-              <a:t>lines</a:t>
+              <a:t>d: delete lines</a:t>
             </a:r>
           </a:p>
           <a:p>
@@ -17735,7 +17671,7 @@
               <a:buChar char="❑"/>
             </a:pPr>
             <a:r>
-              <a:rPr lang="en-US" sz="1400" dirty="0" smtClean="0"/>
+              <a:rPr lang="en-US" sz="1400" dirty="0"/>
               <a:t>n: print lines from the start matching pattern to the end matching pattern</a:t>
             </a:r>
             <a:endParaRPr sz="1400" dirty="0"/>
@@ -17933,15 +17869,7 @@
                   <a:schemeClr val="dk1"/>
                 </a:solidFill>
               </a:rPr>
-              <a:t>before &lt;command</a:t>
-            </a:r>
-            <a:r>
-              <a:rPr lang="en-US" sz="1400" dirty="0" smtClean="0">
-                <a:solidFill>
-                  <a:schemeClr val="dk1"/>
-                </a:solidFill>
-              </a:rPr>
-              <a:t>&gt;</a:t>
+              <a:t>before &lt;command&gt;</a:t>
             </a:r>
             <a:endParaRPr sz="1400" dirty="0">
               <a:solidFill>
@@ -18075,7 +18003,7 @@
               <a:buChar char="❑"/>
             </a:pPr>
             <a:r>
-              <a:rPr lang="en-US" dirty="0" smtClean="0">
+              <a:rPr lang="en-US" dirty="0">
                 <a:solidFill>
                   <a:schemeClr val="dk1"/>
                 </a:solidFill>
@@ -18116,20 +18044,12 @@
               <a:buChar char="❑"/>
             </a:pPr>
             <a:r>
-              <a:rPr lang="en-US" dirty="0" smtClean="0">
+              <a:rPr lang="en-US" dirty="0">
                 <a:solidFill>
                   <a:schemeClr val="dk1"/>
                 </a:solidFill>
               </a:rPr>
-              <a:t>Sample </a:t>
-            </a:r>
-            <a:r>
-              <a:rPr lang="en-US" dirty="0">
-                <a:solidFill>
-                  <a:schemeClr val="dk1"/>
-                </a:solidFill>
-              </a:rPr>
-              <a:t>command:</a:t>
+              <a:t>Sample command:</a:t>
             </a:r>
             <a:endParaRPr dirty="0"/>
           </a:p>
@@ -18530,19 +18450,7 @@
                 <a:cs typeface="Arial"/>
                 <a:sym typeface="Arial"/>
               </a:rPr>
-              <a:t>”: use to search the lines that have a matching pattern then substitute with “new string</a:t>
-            </a:r>
-            <a:r>
-              <a:rPr lang="en-US" sz="1800" b="0" i="0" u="none" strike="noStrike" cap="none" dirty="0" smtClean="0">
-                <a:solidFill>
-                  <a:schemeClr val="dk1"/>
-                </a:solidFill>
-                <a:latin typeface="Arial"/>
-                <a:ea typeface="Arial"/>
-                <a:cs typeface="Arial"/>
-                <a:sym typeface="Arial"/>
-              </a:rPr>
-              <a:t>”.</a:t>
+              <a:t>”: use to search the lines that have a matching pattern then substitute with “new string”.</a:t>
             </a:r>
             <a:endParaRPr sz="1800" b="0" i="0" u="none" strike="noStrike" cap="none" dirty="0">
               <a:solidFill>
@@ -18710,15 +18618,7 @@
                   <a:schemeClr val="dk1"/>
                 </a:solidFill>
               </a:rPr>
-              <a:t>Create script command to insert text “This is MY UPDATE” to the location “[Insert here]” at the file </a:t>
-            </a:r>
-            <a:r>
-              <a:rPr lang="en-US" dirty="0" smtClean="0">
-                <a:solidFill>
-                  <a:schemeClr val="dk1"/>
-                </a:solidFill>
-              </a:rPr>
-              <a:t>Input</a:t>
+              <a:t>Create script command to insert text “This is MY UPDATE” to the location “[Insert here]” at the file Input</a:t>
             </a:r>
           </a:p>
           <a:p>
@@ -18737,7 +18637,7 @@
               <a:buChar char="❑"/>
             </a:pPr>
             <a:r>
-              <a:rPr lang="en-US" dirty="0" smtClean="0"/>
+              <a:rPr lang="en-US" dirty="0"/>
               <a:t>Link:</a:t>
             </a:r>
           </a:p>
@@ -18766,11 +18666,11 @@
               <a:t>Path: </a:t>
             </a:r>
             <a:r>
-              <a:rPr lang="en-US" dirty="0" err="1" smtClean="0"/>
+              <a:rPr lang="en-US" dirty="0" err="1"/>
               <a:t>c_cpp</a:t>
             </a:r>
             <a:r>
-              <a:rPr lang="en-US" dirty="0" smtClean="0"/>
+              <a:rPr lang="en-US" dirty="0"/>
               <a:t>/99_exercise/00_BASH/sed_ex.txt</a:t>
             </a:r>
             <a:endParaRPr dirty="0">
@@ -19609,7 +19509,7 @@
               <a:buChar char="❑"/>
             </a:pPr>
             <a:r>
-              <a:rPr lang="en-US" sz="1733" b="0" i="0" u="none" strike="noStrike" cap="none" dirty="0" smtClean="0">
+              <a:rPr lang="en-US" sz="1733" b="0" i="0" u="none" strike="noStrike" cap="none" dirty="0">
                 <a:solidFill>
                   <a:schemeClr val="dk1"/>
                 </a:solidFill>
@@ -19618,19 +19518,7 @@
                 <a:cs typeface="Roboto Condensed"/>
                 <a:sym typeface="Roboto Condensed"/>
               </a:rPr>
-              <a:t>Next</a:t>
-            </a:r>
-            <a:r>
-              <a:rPr lang="en-US" sz="1733" b="0" i="0" u="none" strike="noStrike" cap="none" dirty="0">
-                <a:solidFill>
-                  <a:schemeClr val="dk1"/>
-                </a:solidFill>
-                <a:latin typeface="Roboto Condensed"/>
-                <a:ea typeface="Roboto Condensed"/>
-                <a:cs typeface="Roboto Condensed"/>
-                <a:sym typeface="Roboto Condensed"/>
-              </a:rPr>
-              <a:t>, the line is broken into fields (words) separated by whitespace. Each field is stored in a numbered variable, starting with $1. There can be as many as 100 fields.</a:t>
+              <a:t>Next, the line is broken into fields (words) separated by whitespace. Each field is stored in a numbered variable, starting with $1. There can be as many as 100 fields.</a:t>
             </a:r>
             <a:endParaRPr dirty="0"/>
           </a:p>
@@ -21607,15 +21495,7 @@
                   <a:schemeClr val="dk1"/>
                 </a:solidFill>
               </a:rPr>
-              <a:t>Naming </a:t>
-            </a:r>
-            <a:r>
-              <a:rPr lang="en-US" dirty="0" smtClean="0">
-                <a:solidFill>
-                  <a:schemeClr val="dk1"/>
-                </a:solidFill>
-              </a:rPr>
-              <a:t>Conventions:</a:t>
+              <a:t>Naming Conventions:</a:t>
             </a:r>
             <a:endParaRPr dirty="0"/>
           </a:p>
@@ -21802,15 +21682,7 @@
                   <a:srgbClr val="FF0000"/>
                 </a:solidFill>
               </a:rPr>
-              <a:t>without space before and after operator </a:t>
-            </a:r>
-            <a:r>
-              <a:rPr lang="en-US" dirty="0" smtClean="0">
-                <a:solidFill>
-                  <a:srgbClr val="FF0000"/>
-                </a:solidFill>
-              </a:rPr>
-              <a:t>“=“</a:t>
+              <a:t>without space before and after operator “=“</a:t>
             </a:r>
             <a:endParaRPr dirty="0">
               <a:solidFill>
@@ -24014,11 +23886,7 @@
             </a:pPr>
             <a:r>
               <a:rPr lang="en-US" dirty="0"/>
-              <a:t>The special built-in variables, often called positional parameters, are used in shell scripts when passing arguments from the command line, or used in functions to hold the value of arguments passed to the </a:t>
-            </a:r>
-            <a:r>
-              <a:rPr lang="en-US" dirty="0" smtClean="0"/>
-              <a:t>function.</a:t>
+              <a:t>The special built-in variables, often called positional parameters, are used in shell scripts when passing arguments from the command line, or used in functions to hold the value of arguments passed to the function.</a:t>
             </a:r>
             <a:endParaRPr dirty="0">
               <a:solidFill>
@@ -27063,7 +26931,7 @@
               <a:buChar char="•"/>
             </a:pPr>
             <a:r>
-              <a:rPr lang="en-US" dirty="0" smtClean="0">
+              <a:rPr lang="en-US" dirty="0">
                 <a:solidFill>
                   <a:schemeClr val="dk1"/>
                 </a:solidFill>
@@ -27131,11 +26999,7 @@
             </a:pPr>
             <a:r>
               <a:rPr lang="en-US" dirty="0"/>
-              <a:t>Ex</a:t>
-            </a:r>
-            <a:r>
-              <a:rPr lang="en-US" dirty="0" smtClean="0"/>
-              <a:t>:</a:t>
+              <a:t>Ex:</a:t>
             </a:r>
             <a:endParaRPr dirty="0"/>
           </a:p>
@@ -27197,39 +27061,23 @@
           <a:p>
             <a:pPr marL="0" lvl="1"/>
             <a:r>
-              <a:rPr lang="es-ES" dirty="0" smtClean="0">
+              <a:rPr lang="es-ES" dirty="0">
                 <a:solidFill>
                   <a:schemeClr val="accent5"/>
                 </a:solidFill>
               </a:rPr>
-              <a:t>$ echo </a:t>
-            </a:r>
+              <a:t>$ echo $[ (5 + 3) * 2 ]</a:t>
+            </a:r>
+          </a:p>
+          <a:p>
+            <a:pPr marL="0" lvl="1"/>
             <a:r>
               <a:rPr lang="es-ES" dirty="0">
                 <a:solidFill>
                   <a:schemeClr val="accent5"/>
                 </a:solidFill>
               </a:rPr>
-              <a:t>$[ (5 + 3) * 2 ]</a:t>
-            </a:r>
-          </a:p>
-          <a:p>
-            <a:pPr marL="0" lvl="1"/>
-            <a:r>
-              <a:rPr lang="es-ES" dirty="0" smtClean="0">
-                <a:solidFill>
-                  <a:schemeClr val="accent5"/>
-                </a:solidFill>
-              </a:rPr>
-              <a:t>$ echo </a:t>
-            </a:r>
-            <a:r>
-              <a:rPr lang="es-ES" dirty="0">
-                <a:solidFill>
-                  <a:schemeClr val="accent5"/>
-                </a:solidFill>
-              </a:rPr>
-              <a:t>$(( 5 + 4 ))</a:t>
+              <a:t>$ echo $(( 5 + 4 ))</a:t>
             </a:r>
           </a:p>
         </p:txBody>
@@ -27467,11 +27315,7 @@
             </a:pPr>
             <a:r>
               <a:rPr lang="en-US" dirty="0"/>
-              <a:t>Ex</a:t>
-            </a:r>
-            <a:r>
-              <a:rPr lang="en-US" dirty="0" smtClean="0"/>
-              <a:t>:</a:t>
+              <a:t>Ex:</a:t>
             </a:r>
             <a:endParaRPr dirty="0"/>
           </a:p>
@@ -27533,45 +27377,24 @@
           <a:p>
             <a:pPr marL="0" lvl="1"/>
             <a:r>
-              <a:rPr lang="en-US" dirty="0" smtClean="0">
+              <a:rPr lang="en-US" dirty="0">
                 <a:solidFill>
                   <a:schemeClr val="accent5"/>
                 </a:solidFill>
               </a:rPr>
-              <a:t>$ function </a:t>
-            </a:r>
+              <a:t>$ function greet { echo "Hello $LOGNAME, today is $(date)"; }</a:t>
+            </a:r>
+          </a:p>
+          <a:p>
+            <a:pPr marL="0" lvl="1"/>
             <a:r>
               <a:rPr lang="en-US" dirty="0">
                 <a:solidFill>
                   <a:schemeClr val="accent5"/>
                 </a:solidFill>
               </a:rPr>
-              <a:t>greet { echo "Hello $LOGNAME, today is $(date)"; </a:t>
-            </a:r>
-            <a:r>
-              <a:rPr lang="en-US" dirty="0" smtClean="0">
-                <a:solidFill>
-                  <a:schemeClr val="accent5"/>
-                </a:solidFill>
-              </a:rPr>
-              <a:t>}</a:t>
-            </a:r>
-          </a:p>
-          <a:p>
-            <a:pPr marL="0" lvl="1"/>
-            <a:r>
-              <a:rPr lang="en-US" dirty="0" smtClean="0">
-                <a:solidFill>
-                  <a:schemeClr val="accent5"/>
-                </a:solidFill>
-              </a:rPr>
               <a:t>$ greet</a:t>
             </a:r>
-            <a:endParaRPr lang="en-US" dirty="0">
-              <a:solidFill>
-                <a:schemeClr val="accent5"/>
-              </a:solidFill>
-            </a:endParaRPr>
           </a:p>
           <a:p>
             <a:pPr marL="0" lvl="1"/>
@@ -28495,7 +28318,7 @@
               <a:buChar char="❑"/>
             </a:pPr>
             <a:r>
-              <a:rPr lang="en-US" sz="1729" dirty="0" smtClean="0"/>
+              <a:rPr lang="en-US" sz="1729" dirty="0"/>
               <a:t>Ex:</a:t>
             </a:r>
             <a:endParaRPr dirty="0"/>
@@ -30485,7 +30308,7 @@
               </a:lnSpc>
             </a:pPr>
             <a:r>
-              <a:rPr lang="en-US" b="1" dirty="0" smtClean="0">
+              <a:rPr lang="en-US" b="1" dirty="0">
                 <a:solidFill>
                   <a:srgbClr val="0000FF"/>
                 </a:solidFill>
@@ -30749,18 +30572,7 @@
                 <a:ea typeface="Times New Roman" panose="02020603050405020304" pitchFamily="18" charset="0"/>
                 <a:cs typeface="Times New Roman" panose="02020603050405020304" pitchFamily="18" charset="0"/>
               </a:rPr>
-              <a:t>$</a:t>
-            </a:r>
-            <a:r>
-              <a:rPr lang="en-US" b="1" dirty="0" smtClean="0">
-                <a:solidFill>
-                  <a:srgbClr val="FF8040"/>
-                </a:solidFill>
-                <a:latin typeface="Courier New" panose="02070309020205020404" pitchFamily="49" charset="0"/>
-                <a:ea typeface="Times New Roman" panose="02020603050405020304" pitchFamily="18" charset="0"/>
-                <a:cs typeface="Times New Roman" panose="02020603050405020304" pitchFamily="18" charset="0"/>
-              </a:rPr>
-              <a:t>a</a:t>
+              <a:t>$a</a:t>
             </a:r>
             <a:endParaRPr lang="en-US" dirty="0">
               <a:latin typeface="Calibri" panose="020F0502020204030204" pitchFamily="34" charset="0"/>
@@ -30775,7 +30587,7 @@
               </a:lnSpc>
             </a:pPr>
             <a:r>
-              <a:rPr lang="en-US" b="1" dirty="0" smtClean="0">
+              <a:rPr lang="en-US" b="1" dirty="0">
                 <a:solidFill>
                   <a:srgbClr val="0000FF"/>
                 </a:solidFill>
@@ -30942,7 +30754,7 @@
               <a:buChar char="❑"/>
             </a:pPr>
             <a:r>
-              <a:rPr lang="en-US" sz="1729" dirty="0" smtClean="0"/>
+              <a:rPr lang="en-US" sz="1729" dirty="0"/>
               <a:t>Ex:</a:t>
             </a:r>
           </a:p>
@@ -31143,7 +30955,7 @@
               </a:lnSpc>
             </a:pPr>
             <a:r>
-              <a:rPr lang="en-US" sz="1400" b="1" smtClean="0">
+              <a:rPr lang="en-US" sz="1400" b="1">
                 <a:solidFill>
                   <a:srgbClr val="0000FF"/>
                 </a:solidFill>
@@ -31210,7 +31022,7 @@
               </a:lnSpc>
             </a:pPr>
             <a:r>
-              <a:rPr lang="en-US" sz="1600" b="1" dirty="0" smtClean="0">
+              <a:rPr lang="en-US" sz="1600" b="1" dirty="0">
                 <a:solidFill>
                   <a:schemeClr val="accent5"/>
                 </a:solidFill>
@@ -31228,7 +31040,7 @@
               </a:lnSpc>
             </a:pPr>
             <a:r>
-              <a:rPr lang="en-US" sz="1600" i="1" dirty="0" smtClean="0">
+              <a:rPr lang="en-US" sz="1600" i="1" dirty="0">
                 <a:solidFill>
                   <a:schemeClr val="tx1"/>
                 </a:solidFill>
@@ -31238,14 +31050,6 @@
               </a:rPr>
               <a:t>1</a:t>
             </a:r>
-            <a:endParaRPr lang="en-US" sz="1600" i="1" dirty="0">
-              <a:solidFill>
-                <a:schemeClr val="tx1"/>
-              </a:solidFill>
-              <a:latin typeface="Courier New" panose="02070309020205020404" pitchFamily="49" charset="0"/>
-              <a:ea typeface="Times New Roman" panose="02020603050405020304" pitchFamily="18" charset="0"/>
-              <a:cs typeface="Courier New" panose="02070309020205020404" pitchFamily="49" charset="0"/>
-            </a:endParaRPr>
           </a:p>
           <a:p>
             <a:pPr>
@@ -31308,7 +31112,7 @@
               </a:lnSpc>
             </a:pPr>
             <a:r>
-              <a:rPr lang="en-US" sz="1600" i="1" dirty="0" smtClean="0">
+              <a:rPr lang="en-US" sz="1600" i="1" dirty="0">
                 <a:solidFill>
                   <a:schemeClr val="tx1"/>
                 </a:solidFill>
@@ -31325,54 +31129,24 @@
               </a:lnSpc>
             </a:pPr>
             <a:r>
-              <a:rPr lang="en-US" sz="1600" b="1" dirty="0" smtClean="0">
+              <a:rPr lang="en-US" sz="1600" b="1" dirty="0">
                 <a:solidFill>
                   <a:schemeClr val="accent5"/>
                 </a:solidFill>
                 <a:latin typeface="Courier New" panose="02070309020205020404" pitchFamily="49" charset="0"/>
                 <a:cs typeface="Courier New" panose="02070309020205020404" pitchFamily="49" charset="0"/>
               </a:rPr>
-              <a:t>$ for </a:t>
+              <a:t>$ for file in `ls`; do if [ -f $file ]; then echo "$file: is a file"; fi; done # </a:t>
             </a:r>
             <a:r>
               <a:rPr lang="en-US" sz="1600" b="1" dirty="0">
                 <a:solidFill>
-                  <a:schemeClr val="accent5"/>
+                  <a:srgbClr val="FF0000"/>
                 </a:solidFill>
                 <a:latin typeface="Courier New" panose="02070309020205020404" pitchFamily="49" charset="0"/>
                 <a:cs typeface="Courier New" panose="02070309020205020404" pitchFamily="49" charset="0"/>
               </a:rPr>
-              <a:t>file in `ls`; do if [ -f $file ]; then echo "$file: is a file"; fi; </a:t>
-            </a:r>
-            <a:r>
-              <a:rPr lang="en-US" sz="1600" b="1" dirty="0" smtClean="0">
-                <a:solidFill>
-                  <a:schemeClr val="accent5"/>
-                </a:solidFill>
-                <a:latin typeface="Courier New" panose="02070309020205020404" pitchFamily="49" charset="0"/>
-                <a:cs typeface="Courier New" panose="02070309020205020404" pitchFamily="49" charset="0"/>
-              </a:rPr>
-              <a:t>done # </a:t>
-            </a:r>
-            <a:r>
-              <a:rPr lang="en-US" sz="1600" b="1" dirty="0" smtClean="0">
-                <a:solidFill>
-                  <a:srgbClr val="FF0000"/>
-                </a:solidFill>
-                <a:latin typeface="Courier New" panose="02070309020205020404" pitchFamily="49" charset="0"/>
-                <a:cs typeface="Courier New" panose="02070309020205020404" pitchFamily="49" charset="0"/>
-              </a:rPr>
-              <a:t>Use </a:t>
-            </a:r>
-            <a:r>
-              <a:rPr lang="en-US" sz="1600" b="1" dirty="0">
-                <a:solidFill>
-                  <a:srgbClr val="FF0000"/>
-                </a:solidFill>
-                <a:latin typeface="Courier New" panose="02070309020205020404" pitchFamily="49" charset="0"/>
-                <a:cs typeface="Courier New" panose="02070309020205020404" pitchFamily="49" charset="0"/>
-              </a:rPr>
-              <a:t>to check it is a file type or not</a:t>
+              <a:t>Use to check it is a file type or not</a:t>
             </a:r>
             <a:endParaRPr lang="en-US" sz="1600" b="1" dirty="0">
               <a:latin typeface="Courier New" panose="02070309020205020404" pitchFamily="49" charset="0"/>
@@ -31386,15 +31160,22 @@
               </a:lnSpc>
             </a:pPr>
             <a:r>
-              <a:rPr lang="en-US" sz="1600" i="1" dirty="0" smtClean="0">
+              <a:rPr lang="en-US" sz="1600" i="1" dirty="0">
                 <a:solidFill>
                   <a:schemeClr val="tx1"/>
                 </a:solidFill>
                 <a:latin typeface="Courier New" panose="02070309020205020404" pitchFamily="49" charset="0"/>
                 <a:cs typeface="Courier New" panose="02070309020205020404" pitchFamily="49" charset="0"/>
               </a:rPr>
-              <a:t>README.md</a:t>
-            </a:r>
+              <a:t>README.md: is a file</a:t>
+            </a:r>
+          </a:p>
+          <a:p>
+            <a:pPr>
+              <a:lnSpc>
+                <a:spcPct val="107000"/>
+              </a:lnSpc>
+            </a:pPr>
             <a:r>
               <a:rPr lang="en-US" sz="1600" i="1" dirty="0">
                 <a:solidFill>
@@ -31403,62 +31184,8 @@
                 <a:latin typeface="Courier New" panose="02070309020205020404" pitchFamily="49" charset="0"/>
                 <a:cs typeface="Courier New" panose="02070309020205020404" pitchFamily="49" charset="0"/>
               </a:rPr>
-              <a:t>: is a </a:t>
-            </a:r>
-            <a:r>
-              <a:rPr lang="en-US" sz="1600" i="1" dirty="0" smtClean="0">
-                <a:solidFill>
-                  <a:schemeClr val="tx1"/>
-                </a:solidFill>
-                <a:latin typeface="Courier New" panose="02070309020205020404" pitchFamily="49" charset="0"/>
-                <a:cs typeface="Courier New" panose="02070309020205020404" pitchFamily="49" charset="0"/>
-              </a:rPr>
-              <a:t>file</a:t>
-            </a:r>
-          </a:p>
-          <a:p>
-            <a:pPr>
-              <a:lnSpc>
-                <a:spcPct val="107000"/>
-              </a:lnSpc>
-            </a:pPr>
-            <a:r>
-              <a:rPr lang="en-US" sz="1600" i="1" dirty="0" smtClean="0">
-                <a:solidFill>
-                  <a:schemeClr val="tx1"/>
-                </a:solidFill>
-                <a:latin typeface="Courier New" panose="02070309020205020404" pitchFamily="49" charset="0"/>
-                <a:cs typeface="Courier New" panose="02070309020205020404" pitchFamily="49" charset="0"/>
-              </a:rPr>
-              <a:t>setup_workspace.sh</a:t>
-            </a:r>
-            <a:r>
-              <a:rPr lang="en-US" sz="1600" i="1" dirty="0">
-                <a:solidFill>
-                  <a:schemeClr val="tx1"/>
-                </a:solidFill>
-                <a:latin typeface="Courier New" panose="02070309020205020404" pitchFamily="49" charset="0"/>
-                <a:cs typeface="Courier New" panose="02070309020205020404" pitchFamily="49" charset="0"/>
-              </a:rPr>
-              <a:t>: is a </a:t>
-            </a:r>
-            <a:r>
-              <a:rPr lang="en-US" sz="1600" i="1" dirty="0" smtClean="0">
-                <a:solidFill>
-                  <a:schemeClr val="tx1"/>
-                </a:solidFill>
-                <a:latin typeface="Courier New" panose="02070309020205020404" pitchFamily="49" charset="0"/>
-                <a:cs typeface="Courier New" panose="02070309020205020404" pitchFamily="49" charset="0"/>
-              </a:rPr>
-              <a:t>file</a:t>
-            </a:r>
-            <a:endParaRPr lang="en-US" sz="1600" i="1" dirty="0">
-              <a:solidFill>
-                <a:schemeClr val="tx1"/>
-              </a:solidFill>
-              <a:latin typeface="Courier New" panose="02070309020205020404" pitchFamily="49" charset="0"/>
-              <a:cs typeface="Courier New" panose="02070309020205020404" pitchFamily="49" charset="0"/>
-            </a:endParaRPr>
+              <a:t>setup_workspace.sh: is a file</a:t>
+            </a:r>
           </a:p>
         </p:txBody>
       </p:sp>
@@ -31536,11 +31263,7 @@
             </a:pPr>
             <a:r>
               <a:rPr lang="en-US" dirty="0"/>
-              <a:t>Bash language </a:t>
-            </a:r>
-            <a:r>
-              <a:rPr lang="en-US" dirty="0" smtClean="0"/>
-              <a:t>– Sample Script</a:t>
+              <a:t>Bash language – Sample Script</a:t>
             </a:r>
             <a:endParaRPr sz="4000" dirty="0"/>
           </a:p>
@@ -31590,7 +31313,7 @@
               <a:buChar char="❑"/>
             </a:pPr>
             <a:r>
-              <a:rPr lang="en-US" sz="1729" dirty="0" smtClean="0">
+              <a:rPr lang="en-US" sz="1729" dirty="0">
                 <a:solidFill>
                   <a:schemeClr val="dk1"/>
                 </a:solidFill>
@@ -31910,7 +31633,7 @@
               </a:lnSpc>
             </a:pPr>
             <a:r>
-              <a:rPr lang="en-US" sz="1400" b="1" dirty="0" smtClean="0">
+              <a:rPr lang="en-US" sz="1400" b="1" dirty="0">
                 <a:solidFill>
                   <a:srgbClr val="0000FF"/>
                 </a:solidFill>
@@ -31926,7 +31649,7 @@
                 <a:spcPct val="107000"/>
               </a:lnSpc>
             </a:pPr>
-            <a:endParaRPr lang="en-US" sz="1400" b="1" dirty="0" smtClean="0">
+            <a:endParaRPr lang="en-US" sz="1400" b="1" dirty="0">
               <a:solidFill>
                 <a:srgbClr val="0000FF"/>
               </a:solidFill>
@@ -32805,54 +32528,46 @@
                   <a:schemeClr val="tx1"/>
                 </a:solidFill>
               </a:rPr>
-              <a:t>: is not </a:t>
-            </a:r>
-            <a:r>
-              <a:rPr lang="en-US" i="1" dirty="0" smtClean="0">
+              <a:t>: is not exist</a:t>
+            </a:r>
+          </a:p>
+          <a:p>
+            <a:r>
+              <a:rPr lang="en-US" dirty="0">
+                <a:solidFill>
+                  <a:schemeClr val="accent5"/>
+                </a:solidFill>
+              </a:rPr>
+              <a:t>$ ./a.sh ~/Desktop/Material/</a:t>
+            </a:r>
+            <a:r>
+              <a:rPr lang="en-US" dirty="0" err="1">
+                <a:solidFill>
+                  <a:schemeClr val="accent5"/>
+                </a:solidFill>
+              </a:rPr>
+              <a:t>c_cpp</a:t>
+            </a:r>
+            <a:r>
+              <a:rPr lang="en-US" dirty="0">
+                <a:solidFill>
+                  <a:schemeClr val="accent5"/>
+                </a:solidFill>
+              </a:rPr>
+              <a:t>/99_exercise/00_BASH/datafile.txt</a:t>
+            </a:r>
+          </a:p>
+          <a:p>
+            <a:r>
+              <a:rPr lang="en-US" i="1" dirty="0">
                 <a:solidFill>
                   <a:schemeClr val="tx1"/>
                 </a:solidFill>
               </a:rPr>
-              <a:t>exist</a:t>
-            </a:r>
-          </a:p>
-          <a:p>
-            <a:r>
-              <a:rPr lang="en-US" dirty="0">
-                <a:solidFill>
-                  <a:schemeClr val="accent5"/>
-                </a:solidFill>
-              </a:rPr>
-              <a:t>$ ./a.sh ~/Desktop/Material/</a:t>
-            </a:r>
-            <a:r>
-              <a:rPr lang="en-US" dirty="0" err="1">
-                <a:solidFill>
-                  <a:schemeClr val="accent5"/>
-                </a:solidFill>
-              </a:rPr>
-              <a:t>c_cpp</a:t>
-            </a:r>
-            <a:r>
-              <a:rPr lang="en-US" dirty="0">
-                <a:solidFill>
-                  <a:schemeClr val="accent5"/>
-                </a:solidFill>
-              </a:rPr>
-              <a:t>/99_exercise/00_BASH/datafile.txt</a:t>
-            </a:r>
-          </a:p>
-          <a:p>
-            <a:r>
-              <a:rPr lang="en-US" i="1" dirty="0">
-                <a:solidFill>
-                  <a:schemeClr val="tx1"/>
-                </a:solidFill>
-              </a:rPr>
               <a:t>Please specify to the </a:t>
             </a:r>
             <a:r>
-              <a:rPr lang="en-US" i="1" dirty="0" err="1" smtClean="0">
+              <a:rPr lang="en-US" i="1" dirty="0" err="1">
                 <a:solidFill>
                   <a:schemeClr val="tx1"/>
                 </a:solidFill>
@@ -33010,15 +32725,7 @@
                   <a:schemeClr val="dk1"/>
                 </a:solidFill>
               </a:rPr>
-              <a:t>UNIX Shells by Example Fourth </a:t>
-            </a:r>
-            <a:r>
-              <a:rPr lang="en-US" dirty="0" smtClean="0">
-                <a:solidFill>
-                  <a:schemeClr val="dk1"/>
-                </a:solidFill>
-              </a:rPr>
-              <a:t>Edition</a:t>
+              <a:t>UNIX Shells by Example Fourth Edition</a:t>
             </a:r>
             <a:endParaRPr dirty="0">
               <a:solidFill>
@@ -33069,6 +32776,635 @@
 </file>
 
 <file path=ppt/slides/slide36.xml><?xml version="1.0" encoding="utf-8"?>
+<p:sld xmlns:a="http://schemas.openxmlformats.org/drawingml/2006/main" xmlns:r="http://schemas.openxmlformats.org/officeDocument/2006/relationships" xmlns:p="http://schemas.openxmlformats.org/presentationml/2006/main">
+  <p:cSld>
+    <p:spTree>
+      <p:nvGrpSpPr>
+        <p:cNvPr id="1" name=""/>
+        <p:cNvGrpSpPr/>
+        <p:nvPr/>
+      </p:nvGrpSpPr>
+      <p:grpSpPr>
+        <a:xfrm>
+          <a:off x="0" y="0"/>
+          <a:ext cx="0" cy="0"/>
+          <a:chOff x="0" y="0"/>
+          <a:chExt cx="0" cy="0"/>
+        </a:xfrm>
+      </p:grpSpPr>
+      <p:sp>
+        <p:nvSpPr>
+          <p:cNvPr id="3" name="Text Placeholder 2">
+            <a:extLst>
+              <a:ext uri="{FF2B5EF4-FFF2-40B4-BE49-F238E27FC236}">
+                <a16:creationId xmlns:a16="http://schemas.microsoft.com/office/drawing/2014/main" id="{9C55C3B1-A73A-410E-A6BB-4A6E409B96D3}"/>
+              </a:ext>
+            </a:extLst>
+          </p:cNvPr>
+          <p:cNvSpPr>
+            <a:spLocks noGrp="1"/>
+          </p:cNvSpPr>
+          <p:nvPr>
+            <p:ph type="body" idx="1"/>
+          </p:nvPr>
+        </p:nvSpPr>
+        <p:spPr>
+          <a:xfrm>
+            <a:off x="525377" y="89504"/>
+            <a:ext cx="4579283" cy="5190800"/>
+          </a:xfrm>
+        </p:spPr>
+        <p:txBody>
+          <a:bodyPr/>
+          <a:lstStyle/>
+          <a:p>
+            <a:r>
+              <a:rPr lang="en-US" sz="1200" dirty="0"/>
+              <a:t> 1  ls</a:t>
+            </a:r>
+          </a:p>
+          <a:p>
+            <a:r>
+              <a:rPr lang="en-US" sz="1200" dirty="0"/>
+              <a:t>    2  ls -a</a:t>
+            </a:r>
+          </a:p>
+          <a:p>
+            <a:r>
+              <a:rPr lang="en-US" sz="1200" dirty="0"/>
+              <a:t>    3  ls -al</a:t>
+            </a:r>
+          </a:p>
+          <a:p>
+            <a:r>
+              <a:rPr lang="en-US" sz="1200" dirty="0"/>
+              <a:t>    4  ls -l</a:t>
+            </a:r>
+          </a:p>
+          <a:p>
+            <a:r>
+              <a:rPr lang="en-US" sz="1200" dirty="0"/>
+              <a:t>    5  cp a.txt c.txt</a:t>
+            </a:r>
+          </a:p>
+          <a:p>
+            <a:r>
+              <a:rPr lang="en-US" sz="1200" dirty="0"/>
+              <a:t>    6  ls -l</a:t>
+            </a:r>
+          </a:p>
+          <a:p>
+            <a:r>
+              <a:rPr lang="en-US" sz="1200" dirty="0"/>
+              <a:t>    7  cat c.txt</a:t>
+            </a:r>
+          </a:p>
+          <a:p>
+            <a:r>
+              <a:rPr lang="en-US" sz="1200" dirty="0"/>
+              <a:t>    8  vim c.txt</a:t>
+            </a:r>
+          </a:p>
+          <a:p>
+            <a:r>
+              <a:rPr lang="en-US" sz="1200" dirty="0"/>
+              <a:t>    9  vi c.txt</a:t>
+            </a:r>
+          </a:p>
+          <a:p>
+            <a:r>
+              <a:rPr lang="en-US" sz="1200" dirty="0"/>
+              <a:t>   10  cat c.txt</a:t>
+            </a:r>
+          </a:p>
+          <a:p>
+            <a:r>
+              <a:rPr lang="en-US" sz="1200" dirty="0"/>
+              <a:t>   11  vi c.txt</a:t>
+            </a:r>
+          </a:p>
+          <a:p>
+            <a:r>
+              <a:rPr lang="en-US" sz="1200" dirty="0"/>
+              <a:t>   12  vi c.txt</a:t>
+            </a:r>
+          </a:p>
+          <a:p>
+            <a:r>
+              <a:rPr lang="en-US" sz="1200" dirty="0"/>
+              <a:t>   13  cat c.txt</a:t>
+            </a:r>
+          </a:p>
+          <a:p>
+            <a:r>
+              <a:rPr lang="en-US" sz="1200" dirty="0"/>
+              <a:t>   14  vi c.txt</a:t>
+            </a:r>
+          </a:p>
+          <a:p>
+            <a:r>
+              <a:rPr lang="en-US" sz="1200" dirty="0"/>
+              <a:t>   15  cp -r tool </a:t>
+            </a:r>
+            <a:r>
+              <a:rPr lang="en-US" sz="1200" dirty="0" err="1"/>
+              <a:t>tool_copied</a:t>
+            </a:r>
+            <a:endParaRPr lang="en-US" sz="1200" dirty="0"/>
+          </a:p>
+          <a:p>
+            <a:r>
+              <a:rPr lang="en-US" sz="1200" dirty="0"/>
+              <a:t>   16  rm -</a:t>
+            </a:r>
+            <a:r>
+              <a:rPr lang="en-US" sz="1200" dirty="0" err="1"/>
+              <a:t>i</a:t>
+            </a:r>
+            <a:r>
+              <a:rPr lang="en-US" sz="1200" dirty="0"/>
+              <a:t> </a:t>
+            </a:r>
+            <a:r>
+              <a:rPr lang="en-US" sz="1200" dirty="0" err="1"/>
+              <a:t>tool_copied</a:t>
+            </a:r>
+            <a:r>
+              <a:rPr lang="en-US" sz="1200" dirty="0"/>
+              <a:t>/</a:t>
+            </a:r>
+          </a:p>
+          <a:p>
+            <a:r>
+              <a:rPr lang="en-US" sz="1200" dirty="0"/>
+              <a:t>   17  rm </a:t>
+            </a:r>
+            <a:r>
+              <a:rPr lang="en-US" sz="1200" dirty="0" err="1"/>
+              <a:t>tool_copied</a:t>
+            </a:r>
+            <a:r>
+              <a:rPr lang="en-US" sz="1200" dirty="0"/>
+              <a:t>/</a:t>
+            </a:r>
+          </a:p>
+          <a:p>
+            <a:r>
+              <a:rPr lang="en-US" sz="1200" dirty="0"/>
+              <a:t>   18  rm -r </a:t>
+            </a:r>
+            <a:r>
+              <a:rPr lang="en-US" sz="1200" dirty="0" err="1"/>
+              <a:t>tool_copied</a:t>
+            </a:r>
+            <a:r>
+              <a:rPr lang="en-US" sz="1200" dirty="0"/>
+              <a:t>/</a:t>
+            </a:r>
+          </a:p>
+          <a:p>
+            <a:r>
+              <a:rPr lang="en-US" sz="1200" dirty="0"/>
+              <a:t>   19  cp -r tool </a:t>
+            </a:r>
+            <a:r>
+              <a:rPr lang="en-US" sz="1200" dirty="0" err="1"/>
+              <a:t>tool_copied</a:t>
+            </a:r>
+            <a:endParaRPr lang="en-US" sz="1200" dirty="0"/>
+          </a:p>
+          <a:p>
+            <a:r>
+              <a:rPr lang="en-US" sz="1200" dirty="0"/>
+              <a:t>   20  ls </a:t>
+            </a:r>
+            <a:r>
+              <a:rPr lang="en-US" sz="1200" dirty="0" err="1"/>
+              <a:t>tool_copied</a:t>
+            </a:r>
+            <a:r>
+              <a:rPr lang="en-US" sz="1200" dirty="0"/>
+              <a:t>/</a:t>
+            </a:r>
+          </a:p>
+          <a:p>
+            <a:r>
+              <a:rPr lang="en-US" sz="1200" dirty="0"/>
+              <a:t>   21  cd </a:t>
+            </a:r>
+            <a:r>
+              <a:rPr lang="en-US" sz="1200" dirty="0" err="1"/>
+              <a:t>tool_copied</a:t>
+            </a:r>
+            <a:r>
+              <a:rPr lang="en-US" sz="1200" dirty="0"/>
+              <a:t>/</a:t>
+            </a:r>
+          </a:p>
+          <a:p>
+            <a:r>
+              <a:rPr lang="en-US" sz="1200" dirty="0"/>
+              <a:t>   22  ls -l</a:t>
+            </a:r>
+          </a:p>
+          <a:p>
+            <a:r>
+              <a:rPr lang="en-US" sz="1200" dirty="0"/>
+              <a:t>   23  rm -</a:t>
+            </a:r>
+            <a:r>
+              <a:rPr lang="en-US" sz="1200" dirty="0" err="1"/>
+              <a:t>i</a:t>
+            </a:r>
+            <a:r>
+              <a:rPr lang="en-US" sz="1200" dirty="0"/>
+              <a:t> Script_Param.xlsm</a:t>
+            </a:r>
+          </a:p>
+          <a:p>
+            <a:r>
+              <a:rPr lang="en-US" sz="1200" dirty="0"/>
+              <a:t>   24  rm -f Script_Param.xlsm KDiff3-0.9.92-2.zip</a:t>
+            </a:r>
+          </a:p>
+          <a:p>
+            <a:r>
+              <a:rPr lang="en-US" sz="1200" dirty="0"/>
+              <a:t>   25  ls -l</a:t>
+            </a:r>
+          </a:p>
+          <a:p>
+            <a:endParaRPr lang="en-US" sz="1200" dirty="0"/>
+          </a:p>
+        </p:txBody>
+      </p:sp>
+      <p:sp>
+        <p:nvSpPr>
+          <p:cNvPr id="4" name="Rectangle 3">
+            <a:extLst>
+              <a:ext uri="{FF2B5EF4-FFF2-40B4-BE49-F238E27FC236}">
+                <a16:creationId xmlns:a16="http://schemas.microsoft.com/office/drawing/2014/main" id="{9AF77BBC-6557-429B-9BD7-5BAAE4FF754F}"/>
+              </a:ext>
+            </a:extLst>
+          </p:cNvPr>
+          <p:cNvSpPr/>
+          <p:nvPr/>
+        </p:nvSpPr>
+        <p:spPr>
+          <a:xfrm>
+            <a:off x="4610470" y="89504"/>
+            <a:ext cx="3042081" cy="5262979"/>
+          </a:xfrm>
+          <a:prstGeom prst="rect">
+            <a:avLst/>
+          </a:prstGeom>
+        </p:spPr>
+        <p:txBody>
+          <a:bodyPr wrap="square">
+            <a:spAutoFit/>
+          </a:bodyPr>
+          <a:lstStyle/>
+          <a:p>
+            <a:r>
+              <a:rPr lang="en-US" sz="1200" dirty="0"/>
+              <a:t> 26  </a:t>
+            </a:r>
+            <a:r>
+              <a:rPr lang="en-US" sz="1200" dirty="0" err="1"/>
+              <a:t>pwd</a:t>
+            </a:r>
+            <a:endParaRPr lang="en-US" sz="1200" dirty="0"/>
+          </a:p>
+          <a:p>
+            <a:r>
+              <a:rPr lang="en-US" sz="1200" dirty="0"/>
+              <a:t>   27  history</a:t>
+            </a:r>
+          </a:p>
+          <a:p>
+            <a:r>
+              <a:rPr lang="en-US" sz="1200" dirty="0"/>
+              <a:t>   28  touch w.txt</a:t>
+            </a:r>
+          </a:p>
+          <a:p>
+            <a:r>
+              <a:rPr lang="en-US" sz="1200" dirty="0"/>
+              <a:t>   29  vim w.txt</a:t>
+            </a:r>
+          </a:p>
+          <a:p>
+            <a:r>
+              <a:rPr lang="en-US" sz="1200" dirty="0"/>
+              <a:t>   30  cat w.txt</a:t>
+            </a:r>
+          </a:p>
+          <a:p>
+            <a:r>
+              <a:rPr lang="en-US" sz="1200" dirty="0"/>
+              <a:t>   31  cat -c w.txt</a:t>
+            </a:r>
+          </a:p>
+          <a:p>
+            <a:r>
+              <a:rPr lang="en-US" sz="1200" dirty="0"/>
+              <a:t>   32  cat --help</a:t>
+            </a:r>
+          </a:p>
+          <a:p>
+            <a:r>
+              <a:rPr lang="pt-BR" sz="1200" dirty="0"/>
+              <a:t>   33  cat -n w.txt</a:t>
+            </a:r>
+          </a:p>
+          <a:p>
+            <a:r>
+              <a:rPr lang="en-US" sz="1200" dirty="0"/>
+              <a:t>   34  cat -T w.txt</a:t>
+            </a:r>
+          </a:p>
+          <a:p>
+            <a:r>
+              <a:rPr lang="en-US" sz="1200" dirty="0"/>
+              <a:t>   35  cat -A w.txt</a:t>
+            </a:r>
+          </a:p>
+          <a:p>
+            <a:r>
+              <a:rPr lang="en-US" sz="1200" dirty="0"/>
+              <a:t>   36  grep</a:t>
+            </a:r>
+          </a:p>
+          <a:p>
+            <a:r>
+              <a:rPr lang="en-US" sz="1200" dirty="0"/>
+              <a:t>   37  grep --help</a:t>
+            </a:r>
+          </a:p>
+          <a:p>
+            <a:r>
+              <a:rPr lang="en-US" sz="1200" dirty="0"/>
+              <a:t>   38  grep -f w.txt</a:t>
+            </a:r>
+          </a:p>
+          <a:p>
+            <a:r>
+              <a:rPr lang="en-US" sz="1200" dirty="0"/>
+              <a:t>   39  grep -c w.txt</a:t>
+            </a:r>
+          </a:p>
+          <a:p>
+            <a:r>
+              <a:rPr lang="sv-SE" sz="1200" dirty="0"/>
+              <a:t>   40  grep -c 'w.txt'</a:t>
+            </a:r>
+          </a:p>
+          <a:p>
+            <a:r>
+              <a:rPr lang="en-US" sz="1200" dirty="0"/>
+              <a:t>   41  find -c w.txt</a:t>
+            </a:r>
+          </a:p>
+          <a:p>
+            <a:r>
+              <a:rPr lang="en-US" sz="1200" dirty="0"/>
+              <a:t>   42  find --help</a:t>
+            </a:r>
+          </a:p>
+          <a:p>
+            <a:r>
+              <a:rPr lang="en-US" sz="1200" dirty="0"/>
+              <a:t>   43  find w.txt</a:t>
+            </a:r>
+          </a:p>
+          <a:p>
+            <a:r>
+              <a:rPr lang="en-US" sz="1200" dirty="0"/>
+              <a:t>   44  find -c w.txt</a:t>
+            </a:r>
+          </a:p>
+          <a:p>
+            <a:r>
+              <a:rPr lang="en-US" sz="1200" dirty="0"/>
+              <a:t>   45  cat -n w.txt | head -2</a:t>
+            </a:r>
+          </a:p>
+          <a:p>
+            <a:r>
+              <a:rPr lang="en-US" sz="1200" dirty="0"/>
+              <a:t>   46  cat -n w.txt | head -5</a:t>
+            </a:r>
+          </a:p>
+          <a:p>
+            <a:r>
+              <a:rPr lang="en-US" sz="1200" dirty="0"/>
+              <a:t>   47  vim w.txt</a:t>
+            </a:r>
+          </a:p>
+          <a:p>
+            <a:r>
+              <a:rPr lang="en-US" sz="1200" dirty="0"/>
+              <a:t>   48  cat -c w.txt</a:t>
+            </a:r>
+          </a:p>
+          <a:p>
+            <a:r>
+              <a:rPr lang="en-US" sz="1200" dirty="0"/>
+              <a:t>   49  cat w.txt</a:t>
+            </a:r>
+          </a:p>
+          <a:p>
+            <a:r>
+              <a:rPr lang="en-US" sz="1200" dirty="0"/>
+              <a:t>   50  cat w.txt | tail 2</a:t>
+            </a:r>
+          </a:p>
+          <a:p>
+            <a:r>
+              <a:rPr lang="en-US" sz="1200" dirty="0"/>
+              <a:t>   51  cat w.txt | tail -2</a:t>
+            </a:r>
+          </a:p>
+          <a:p>
+            <a:r>
+              <a:rPr lang="en-US" sz="1200" dirty="0"/>
+              <a:t>   52  grep --help</a:t>
+            </a:r>
+          </a:p>
+          <a:p>
+            <a:r>
+              <a:rPr lang="en-US" sz="1200" dirty="0"/>
+              <a:t>   53  grep -</a:t>
+            </a:r>
+            <a:r>
+              <a:rPr lang="en-US" sz="1200" dirty="0" err="1"/>
+              <a:t>i</a:t>
+            </a:r>
+            <a:r>
+              <a:rPr lang="en-US" sz="1200" dirty="0"/>
+              <a:t> '</a:t>
+            </a:r>
+            <a:r>
+              <a:rPr lang="en-US" sz="1200" dirty="0" err="1"/>
+              <a:t>hoa</a:t>
+            </a:r>
+            <a:r>
+              <a:rPr lang="en-US" sz="1200" dirty="0"/>
+              <a:t>' w.txt</a:t>
+            </a:r>
+          </a:p>
+        </p:txBody>
+      </p:sp>
+      <p:sp>
+        <p:nvSpPr>
+          <p:cNvPr id="5" name="Rectangle 4">
+            <a:extLst>
+              <a:ext uri="{FF2B5EF4-FFF2-40B4-BE49-F238E27FC236}">
+                <a16:creationId xmlns:a16="http://schemas.microsoft.com/office/drawing/2014/main" id="{864B117F-E56A-40B3-AD1F-F57DEBCEB4B9}"/>
+              </a:ext>
+            </a:extLst>
+          </p:cNvPr>
+          <p:cNvSpPr/>
+          <p:nvPr/>
+        </p:nvSpPr>
+        <p:spPr>
+          <a:xfrm>
+            <a:off x="7424692" y="89504"/>
+            <a:ext cx="6096000" cy="1938992"/>
+          </a:xfrm>
+          <a:prstGeom prst="rect">
+            <a:avLst/>
+          </a:prstGeom>
+        </p:spPr>
+        <p:txBody>
+          <a:bodyPr>
+            <a:spAutoFit/>
+          </a:bodyPr>
+          <a:lstStyle/>
+          <a:p>
+            <a:r>
+              <a:rPr lang="en-US" sz="1200" dirty="0"/>
+              <a:t> 54  grep -w '</a:t>
+            </a:r>
+            <a:r>
+              <a:rPr lang="en-US" sz="1200" dirty="0" err="1"/>
+              <a:t>hoa</a:t>
+            </a:r>
+            <a:r>
+              <a:rPr lang="en-US" sz="1200" dirty="0"/>
+              <a:t>' w.txt</a:t>
+            </a:r>
+          </a:p>
+          <a:p>
+            <a:r>
+              <a:rPr lang="en-US" sz="1200" dirty="0"/>
+              <a:t>   55  grep -</a:t>
+            </a:r>
+            <a:r>
+              <a:rPr lang="en-US" sz="1200" dirty="0" err="1"/>
+              <a:t>i</a:t>
+            </a:r>
+            <a:r>
+              <a:rPr lang="en-US" sz="1200" dirty="0"/>
+              <a:t> -c '</a:t>
+            </a:r>
+            <a:r>
+              <a:rPr lang="en-US" sz="1200" dirty="0" err="1"/>
+              <a:t>hoa</a:t>
+            </a:r>
+            <a:r>
+              <a:rPr lang="en-US" sz="1200" dirty="0"/>
+              <a:t>' w.txt</a:t>
+            </a:r>
+          </a:p>
+          <a:p>
+            <a:r>
+              <a:rPr lang="en-US" sz="1200" dirty="0"/>
+              <a:t>   56  cat -n w.txt | tail -2</a:t>
+            </a:r>
+          </a:p>
+          <a:p>
+            <a:r>
+              <a:rPr lang="en-US" sz="1200" dirty="0"/>
+              <a:t>   57  history</a:t>
+            </a:r>
+          </a:p>
+          <a:p>
+            <a:r>
+              <a:rPr lang="en-US" sz="1200" dirty="0"/>
+              <a:t>   58  grep --help</a:t>
+            </a:r>
+          </a:p>
+          <a:p>
+            <a:r>
+              <a:rPr lang="en-US" sz="1200" dirty="0"/>
+              <a:t>   59  </a:t>
+            </a:r>
+            <a:r>
+              <a:rPr lang="en-US" sz="1200" dirty="0" err="1"/>
+              <a:t>wc</a:t>
+            </a:r>
+            <a:r>
+              <a:rPr lang="en-US" sz="1200" dirty="0"/>
+              <a:t> w.txt</a:t>
+            </a:r>
+          </a:p>
+          <a:p>
+            <a:r>
+              <a:rPr lang="en-US" sz="1200" dirty="0"/>
+              <a:t>   60  </a:t>
+            </a:r>
+            <a:r>
+              <a:rPr lang="en-US" sz="1200" dirty="0" err="1"/>
+              <a:t>wc</a:t>
+            </a:r>
+            <a:r>
+              <a:rPr lang="en-US" sz="1200" dirty="0"/>
+              <a:t> -l w.txt</a:t>
+            </a:r>
+          </a:p>
+          <a:p>
+            <a:r>
+              <a:rPr lang="en-US" sz="1200" dirty="0"/>
+              <a:t>   61  </a:t>
+            </a:r>
+            <a:r>
+              <a:rPr lang="en-US" sz="1200" dirty="0" err="1"/>
+              <a:t>wc</a:t>
+            </a:r>
+            <a:r>
+              <a:rPr lang="en-US" sz="1200" dirty="0"/>
+              <a:t> -c w.txt</a:t>
+            </a:r>
+          </a:p>
+          <a:p>
+            <a:r>
+              <a:rPr lang="pl-PL" sz="1200" dirty="0"/>
+              <a:t>   62  wc -w w.txt</a:t>
+            </a:r>
+          </a:p>
+          <a:p>
+            <a:r>
+              <a:rPr lang="en-US" sz="1200" dirty="0"/>
+              <a:t>   63  history</a:t>
+            </a:r>
+          </a:p>
+        </p:txBody>
+      </p:sp>
+    </p:spTree>
+    <p:extLst>
+      <p:ext uri="{BB962C8B-B14F-4D97-AF65-F5344CB8AC3E}">
+        <p14:creationId xmlns:p14="http://schemas.microsoft.com/office/powerpoint/2010/main" val="815778141"/>
+      </p:ext>
+    </p:extLst>
+  </p:cSld>
+  <p:clrMapOvr>
+    <a:masterClrMapping/>
+  </p:clrMapOvr>
+</p:sld>
+</file>
+
+<file path=ppt/slides/slide37.xml><?xml version="1.0" encoding="utf-8"?>
 <p:sld xmlns:a="http://schemas.openxmlformats.org/drawingml/2006/main" xmlns:r="http://schemas.openxmlformats.org/officeDocument/2006/relationships" xmlns:p="http://schemas.openxmlformats.org/presentationml/2006/main">
   <p:cSld>
     <p:spTree>
@@ -33320,15 +33656,7 @@
             </a:r>
             <a:r>
               <a:rPr lang="en-US" dirty="0"/>
-              <a:t>: sorts its inputs. (Ex: sort, sort –d, sort –u</a:t>
-            </a:r>
-            <a:r>
-              <a:rPr lang="en-US" dirty="0" smtClean="0"/>
-              <a:t>, sort -n </a:t>
-            </a:r>
-            <a:r>
-              <a:rPr lang="en-US" dirty="0"/>
-              <a:t>…).</a:t>
+              <a:t>: sorts its inputs. (Ex: sort, sort –d, sort –u, sort -n …).</a:t>
             </a:r>
             <a:endParaRPr dirty="0"/>
           </a:p>
@@ -33423,7 +33751,7 @@
               <a:t>file</a:t>
             </a:r>
             <a:r>
-              <a:rPr lang="en-US" dirty="0" smtClean="0"/>
+              <a:rPr lang="en-US" dirty="0"/>
               <a:t>.</a:t>
             </a:r>
             <a:endParaRPr dirty="0"/>
@@ -33857,28 +34185,15 @@
                   <a:schemeClr val="dk1"/>
                 </a:solidFill>
               </a:rPr>
-              <a:t> Bash, so please use –help instead</a:t>
-            </a:r>
-            <a:r>
-              <a:rPr lang="en-US" dirty="0" smtClean="0">
-                <a:solidFill>
-                  <a:schemeClr val="dk1"/>
-                </a:solidFill>
-              </a:rPr>
-              <a:t>)</a:t>
+              <a:t> Bash, so please use –help instead)</a:t>
             </a:r>
           </a:p>
           <a:p>
             <a:pPr marL="514350" lvl="0" indent="-285750"/>
             <a:r>
               <a:rPr lang="en-US" dirty="0"/>
-              <a:t>Note: The best way to use the shell is to use pipes to combine simple single-purpose programs</a:t>
-            </a:r>
-            <a:r>
-              <a:rPr lang="en-US" dirty="0" smtClean="0"/>
-              <a:t>.</a:t>
-            </a:r>
-            <a:endParaRPr lang="en-US" dirty="0"/>
+              <a:t>Note: The best way to use the shell is to use pipes to combine simple single-purpose programs.</a:t>
+            </a:r>
           </a:p>
         </p:txBody>
       </p:sp>
@@ -34416,24 +34731,19 @@
           <a:p>
             <a:r>
               <a:rPr lang="en-US" i="1" dirty="0"/>
-              <a:t>./</a:t>
-            </a:r>
-            <a:r>
-              <a:rPr lang="en-US" i="1" dirty="0" smtClean="0"/>
-              <a:t>03_pre-processor/</a:t>
-            </a:r>
-            <a:r>
-              <a:rPr lang="en-US" i="1" dirty="0" err="1" smtClean="0"/>
+              <a:t>./03_pre-processor/</a:t>
+            </a:r>
+            <a:r>
+              <a:rPr lang="en-US" i="1" dirty="0" err="1"/>
               <a:t>main.c</a:t>
             </a:r>
-            <a:endParaRPr lang="en-US" i="1" dirty="0" smtClean="0"/>
-          </a:p>
-          <a:p>
-            <a:r>
-              <a:rPr lang="en-US" i="1" dirty="0" smtClean="0"/>
+            <a:endParaRPr lang="en-US" i="1" dirty="0"/>
+          </a:p>
+          <a:p>
+            <a:r>
+              <a:rPr lang="en-US" i="1" dirty="0"/>
               <a:t>…</a:t>
             </a:r>
-            <a:endParaRPr lang="en-US" i="1" dirty="0"/>
           </a:p>
         </p:txBody>
       </p:sp>
@@ -34578,19 +34888,11 @@
             </a:r>
             <a:r>
               <a:rPr lang="en-US" dirty="0" err="1"/>
-              <a:t>N</a:t>
-            </a:r>
-            <a:r>
-              <a:rPr lang="en-US" dirty="0" err="1" smtClean="0"/>
-              <a:t>ew_Training</a:t>
-            </a:r>
-            <a:r>
-              <a:rPr lang="en-US" dirty="0" smtClean="0"/>
-              <a:t> </a:t>
+              <a:t>New_Training</a:t>
             </a:r>
             <a:r>
               <a:rPr lang="en-US" dirty="0"/>
-              <a:t>then update your script command to </a:t>
+              <a:t> then update your script command to </a:t>
             </a:r>
             <a:r>
               <a:rPr lang="en-US" dirty="0" err="1"/>
@@ -34598,17 +34900,13 @@
             </a:r>
             <a:r>
               <a:rPr lang="en-US" dirty="0"/>
-              <a:t> Server</a:t>
-            </a:r>
-            <a:r>
-              <a:rPr lang="en-US" dirty="0" smtClean="0"/>
-              <a:t>.</a:t>
+              <a:t> Server.</a:t>
             </a:r>
           </a:p>
           <a:p>
             <a:pPr marL="1123935" lvl="1" indent="-285750"/>
             <a:r>
-              <a:rPr lang="en-US" dirty="0" smtClean="0"/>
+              <a:rPr lang="en-US" dirty="0"/>
               <a:t>Link:</a:t>
             </a:r>
           </a:p>
@@ -34618,26 +34916,20 @@
               <a:buChar char="o"/>
             </a:pPr>
             <a:r>
-              <a:rPr lang="en-US" dirty="0" err="1" smtClean="0"/>
+              <a:rPr lang="en-US" dirty="0" err="1"/>
               <a:t>Git</a:t>
             </a:r>
             <a:r>
-              <a:rPr lang="en-US" dirty="0" smtClean="0"/>
+              <a:rPr lang="en-US" dirty="0"/>
               <a:t> </a:t>
             </a:r>
             <a:r>
               <a:rPr lang="en-US" dirty="0">
                 <a:hlinkClick r:id="rId3"/>
               </a:rPr>
-              <a:t>http://</a:t>
-            </a:r>
-            <a:r>
-              <a:rPr lang="en-US" dirty="0" smtClean="0">
-                <a:hlinkClick r:id="rId3"/>
-              </a:rPr>
-              <a:t>gitlab.banvien.com/training/c_cpp/tree/test_hieunguyen</a:t>
-            </a:r>
-            <a:endParaRPr lang="en-US" dirty="0" smtClean="0"/>
+              <a:t>http://gitlab.banvien.com/training/c_cpp/tree/test_hieunguyen</a:t>
+            </a:r>
+            <a:endParaRPr lang="en-US" dirty="0"/>
           </a:p>
           <a:p>
             <a:pPr marL="1581135" lvl="2" indent="-285750">
@@ -34645,15 +34937,15 @@
               <a:buChar char="o"/>
             </a:pPr>
             <a:r>
-              <a:rPr lang="en-US" dirty="0" smtClean="0"/>
+              <a:rPr lang="en-US" dirty="0"/>
               <a:t>Path: </a:t>
             </a:r>
             <a:r>
-              <a:rPr lang="en-US" dirty="0" err="1" smtClean="0"/>
+              <a:rPr lang="en-US" dirty="0" err="1"/>
               <a:t>c_cpp</a:t>
             </a:r>
             <a:r>
-              <a:rPr lang="en-US" dirty="0" smtClean="0"/>
+              <a:rPr lang="en-US" dirty="0"/>
               <a:t>/99_exercise/00_BASH/</a:t>
             </a:r>
             <a:r>
@@ -34666,11 +34958,7 @@
             <a:pPr marL="1123935" lvl="1" indent="-285750"/>
             <a:r>
               <a:rPr lang="en-US" dirty="0"/>
-              <a:t>Output sample</a:t>
-            </a:r>
-            <a:r>
-              <a:rPr lang="en-US" dirty="0" smtClean="0"/>
-              <a:t>:</a:t>
+              <a:t>Output sample:</a:t>
             </a:r>
             <a:endParaRPr dirty="0"/>
           </a:p>
@@ -34740,7 +35028,7 @@
               <a:t>Result: "86" directories, "149" files in folder ./</a:t>
             </a:r>
             <a:r>
-              <a:rPr lang="en-US" dirty="0" err="1" smtClean="0"/>
+              <a:rPr lang="en-US" dirty="0" err="1"/>
               <a:t>New_Training</a:t>
             </a:r>
             <a:endParaRPr lang="en-US" sz="1000" dirty="0">
